--- a/FOREST FIRES.pptx
+++ b/FOREST FIRES.pptx
@@ -17,6 +17,10 @@
     <p:sldId id="265" r:id="rId11"/>
     <p:sldId id="266" r:id="rId12"/>
     <p:sldId id="270" r:id="rId13"/>
+    <p:sldId id="271" r:id="rId14"/>
+    <p:sldId id="272" r:id="rId15"/>
+    <p:sldId id="273" r:id="rId16"/>
+    <p:sldId id="274" r:id="rId17"/>
   </p:sldIdLst>
   <p:sldSz cx="12192000" cy="6858000"/>
   <p:notesSz cx="6858000" cy="9144000"/>
@@ -5547,10 +5551,280 @@
           <a:chExt cx="0" cy="0"/>
         </a:xfrm>
       </p:grpSpPr>
+      <p:pic>
+        <p:nvPicPr>
+          <p:cNvPr id="2" name="Picture 1">
+            <a:extLst>
+              <a:ext uri="{FF2B5EF4-FFF2-40B4-BE49-F238E27FC236}">
+                <a16:creationId xmlns:a16="http://schemas.microsoft.com/office/drawing/2014/main" id="{71777DD4-9527-4E05-B7C7-9B023516007C}"/>
+              </a:ext>
+            </a:extLst>
+          </p:cNvPr>
+          <p:cNvPicPr>
+            <a:picLocks noChangeAspect="1"/>
+          </p:cNvPicPr>
+          <p:nvPr/>
+        </p:nvPicPr>
+        <p:blipFill>
+          <a:blip r:embed="rId2"/>
+          <a:stretch>
+            <a:fillRect/>
+          </a:stretch>
+        </p:blipFill>
+        <p:spPr>
+          <a:xfrm>
+            <a:off x="554873" y="586854"/>
+            <a:ext cx="11082254" cy="5486400"/>
+          </a:xfrm>
+          <a:prstGeom prst="rect">
+            <a:avLst/>
+          </a:prstGeom>
+        </p:spPr>
+      </p:pic>
     </p:spTree>
     <p:extLst>
       <p:ext uri="{BB962C8B-B14F-4D97-AF65-F5344CB8AC3E}">
         <p14:creationId xmlns:p14="http://schemas.microsoft.com/office/powerpoint/2010/main" val="2575207849"/>
+      </p:ext>
+    </p:extLst>
+  </p:cSld>
+  <p:clrMapOvr>
+    <a:masterClrMapping/>
+  </p:clrMapOvr>
+</p:sld>
+</file>
+
+<file path=ppt/slides/slide13.xml><?xml version="1.0" encoding="utf-8"?>
+<p:sld xmlns:a="http://schemas.openxmlformats.org/drawingml/2006/main" xmlns:r="http://schemas.openxmlformats.org/officeDocument/2006/relationships" xmlns:p="http://schemas.openxmlformats.org/presentationml/2006/main">
+  <p:cSld>
+    <p:spTree>
+      <p:nvGrpSpPr>
+        <p:cNvPr id="1" name=""/>
+        <p:cNvGrpSpPr/>
+        <p:nvPr/>
+      </p:nvGrpSpPr>
+      <p:grpSpPr>
+        <a:xfrm>
+          <a:off x="0" y="0"/>
+          <a:ext cx="0" cy="0"/>
+          <a:chOff x="0" y="0"/>
+          <a:chExt cx="0" cy="0"/>
+        </a:xfrm>
+      </p:grpSpPr>
+      <p:pic>
+        <p:nvPicPr>
+          <p:cNvPr id="2" name="Picture 1">
+            <a:extLst>
+              <a:ext uri="{FF2B5EF4-FFF2-40B4-BE49-F238E27FC236}">
+                <a16:creationId xmlns:a16="http://schemas.microsoft.com/office/drawing/2014/main" id="{6EDA6064-7652-4033-9314-C1953FCEC826}"/>
+              </a:ext>
+            </a:extLst>
+          </p:cNvPr>
+          <p:cNvPicPr>
+            <a:picLocks noChangeAspect="1"/>
+          </p:cNvPicPr>
+          <p:nvPr/>
+        </p:nvPicPr>
+        <p:blipFill>
+          <a:blip r:embed="rId2"/>
+          <a:stretch>
+            <a:fillRect/>
+          </a:stretch>
+        </p:blipFill>
+        <p:spPr>
+          <a:xfrm>
+            <a:off x="1986524" y="515029"/>
+            <a:ext cx="8590491" cy="5224665"/>
+          </a:xfrm>
+          <a:prstGeom prst="rect">
+            <a:avLst/>
+          </a:prstGeom>
+        </p:spPr>
+      </p:pic>
+    </p:spTree>
+    <p:extLst>
+      <p:ext uri="{BB962C8B-B14F-4D97-AF65-F5344CB8AC3E}">
+        <p14:creationId xmlns:p14="http://schemas.microsoft.com/office/powerpoint/2010/main" val="3433732599"/>
+      </p:ext>
+    </p:extLst>
+  </p:cSld>
+  <p:clrMapOvr>
+    <a:masterClrMapping/>
+  </p:clrMapOvr>
+</p:sld>
+</file>
+
+<file path=ppt/slides/slide14.xml><?xml version="1.0" encoding="utf-8"?>
+<p:sld xmlns:a="http://schemas.openxmlformats.org/drawingml/2006/main" xmlns:r="http://schemas.openxmlformats.org/officeDocument/2006/relationships" xmlns:p="http://schemas.openxmlformats.org/presentationml/2006/main">
+  <p:cSld>
+    <p:spTree>
+      <p:nvGrpSpPr>
+        <p:cNvPr id="1" name=""/>
+        <p:cNvGrpSpPr/>
+        <p:nvPr/>
+      </p:nvGrpSpPr>
+      <p:grpSpPr>
+        <a:xfrm>
+          <a:off x="0" y="0"/>
+          <a:ext cx="0" cy="0"/>
+          <a:chOff x="0" y="0"/>
+          <a:chExt cx="0" cy="0"/>
+        </a:xfrm>
+      </p:grpSpPr>
+      <p:pic>
+        <p:nvPicPr>
+          <p:cNvPr id="2" name="Picture 1">
+            <a:extLst>
+              <a:ext uri="{FF2B5EF4-FFF2-40B4-BE49-F238E27FC236}">
+                <a16:creationId xmlns:a16="http://schemas.microsoft.com/office/drawing/2014/main" id="{794386F9-4876-4D3D-AEC2-9656569F8378}"/>
+              </a:ext>
+            </a:extLst>
+          </p:cNvPr>
+          <p:cNvPicPr>
+            <a:picLocks noChangeAspect="1"/>
+          </p:cNvPicPr>
+          <p:nvPr/>
+        </p:nvPicPr>
+        <p:blipFill>
+          <a:blip r:embed="rId2"/>
+          <a:stretch>
+            <a:fillRect/>
+          </a:stretch>
+        </p:blipFill>
+        <p:spPr>
+          <a:xfrm>
+            <a:off x="669651" y="723331"/>
+            <a:ext cx="10852698" cy="4599296"/>
+          </a:xfrm>
+          <a:prstGeom prst="rect">
+            <a:avLst/>
+          </a:prstGeom>
+        </p:spPr>
+      </p:pic>
+    </p:spTree>
+    <p:extLst>
+      <p:ext uri="{BB962C8B-B14F-4D97-AF65-F5344CB8AC3E}">
+        <p14:creationId xmlns:p14="http://schemas.microsoft.com/office/powerpoint/2010/main" val="3473433256"/>
+      </p:ext>
+    </p:extLst>
+  </p:cSld>
+  <p:clrMapOvr>
+    <a:masterClrMapping/>
+  </p:clrMapOvr>
+</p:sld>
+</file>
+
+<file path=ppt/slides/slide15.xml><?xml version="1.0" encoding="utf-8"?>
+<p:sld xmlns:a="http://schemas.openxmlformats.org/drawingml/2006/main" xmlns:r="http://schemas.openxmlformats.org/officeDocument/2006/relationships" xmlns:p="http://schemas.openxmlformats.org/presentationml/2006/main">
+  <p:cSld>
+    <p:spTree>
+      <p:nvGrpSpPr>
+        <p:cNvPr id="1" name=""/>
+        <p:cNvGrpSpPr/>
+        <p:nvPr/>
+      </p:nvGrpSpPr>
+      <p:grpSpPr>
+        <a:xfrm>
+          <a:off x="0" y="0"/>
+          <a:ext cx="0" cy="0"/>
+          <a:chOff x="0" y="0"/>
+          <a:chExt cx="0" cy="0"/>
+        </a:xfrm>
+      </p:grpSpPr>
+      <p:pic>
+        <p:nvPicPr>
+          <p:cNvPr id="2" name="Picture 1">
+            <a:extLst>
+              <a:ext uri="{FF2B5EF4-FFF2-40B4-BE49-F238E27FC236}">
+                <a16:creationId xmlns:a16="http://schemas.microsoft.com/office/drawing/2014/main" id="{D427F37A-D813-4DB6-8546-D97F804C20CB}"/>
+              </a:ext>
+            </a:extLst>
+          </p:cNvPr>
+          <p:cNvPicPr>
+            <a:picLocks noChangeAspect="1"/>
+          </p:cNvPicPr>
+          <p:nvPr/>
+        </p:nvPicPr>
+        <p:blipFill>
+          <a:blip r:embed="rId2"/>
+          <a:stretch>
+            <a:fillRect/>
+          </a:stretch>
+        </p:blipFill>
+        <p:spPr>
+          <a:xfrm>
+            <a:off x="606976" y="805218"/>
+            <a:ext cx="10978048" cy="4899546"/>
+          </a:xfrm>
+          <a:prstGeom prst="rect">
+            <a:avLst/>
+          </a:prstGeom>
+        </p:spPr>
+      </p:pic>
+    </p:spTree>
+    <p:extLst>
+      <p:ext uri="{BB962C8B-B14F-4D97-AF65-F5344CB8AC3E}">
+        <p14:creationId xmlns:p14="http://schemas.microsoft.com/office/powerpoint/2010/main" val="3815443454"/>
+      </p:ext>
+    </p:extLst>
+  </p:cSld>
+  <p:clrMapOvr>
+    <a:masterClrMapping/>
+  </p:clrMapOvr>
+</p:sld>
+</file>
+
+<file path=ppt/slides/slide16.xml><?xml version="1.0" encoding="utf-8"?>
+<p:sld xmlns:a="http://schemas.openxmlformats.org/drawingml/2006/main" xmlns:r="http://schemas.openxmlformats.org/officeDocument/2006/relationships" xmlns:p="http://schemas.openxmlformats.org/presentationml/2006/main">
+  <p:cSld>
+    <p:spTree>
+      <p:nvGrpSpPr>
+        <p:cNvPr id="1" name=""/>
+        <p:cNvGrpSpPr/>
+        <p:nvPr/>
+      </p:nvGrpSpPr>
+      <p:grpSpPr>
+        <a:xfrm>
+          <a:off x="0" y="0"/>
+          <a:ext cx="0" cy="0"/>
+          <a:chOff x="0" y="0"/>
+          <a:chExt cx="0" cy="0"/>
+        </a:xfrm>
+      </p:grpSpPr>
+      <p:pic>
+        <p:nvPicPr>
+          <p:cNvPr id="2" name="Picture 1">
+            <a:extLst>
+              <a:ext uri="{FF2B5EF4-FFF2-40B4-BE49-F238E27FC236}">
+                <a16:creationId xmlns:a16="http://schemas.microsoft.com/office/drawing/2014/main" id="{2361DA37-2E73-4721-9DA2-216D5F2EDC38}"/>
+              </a:ext>
+            </a:extLst>
+          </p:cNvPr>
+          <p:cNvPicPr>
+            <a:picLocks noChangeAspect="1"/>
+          </p:cNvPicPr>
+          <p:nvPr/>
+        </p:nvPicPr>
+        <p:blipFill>
+          <a:blip r:embed="rId2"/>
+          <a:stretch>
+            <a:fillRect/>
+          </a:stretch>
+        </p:blipFill>
+        <p:spPr>
+          <a:xfrm>
+            <a:off x="1068715" y="354841"/>
+            <a:ext cx="10054570" cy="5338217"/>
+          </a:xfrm>
+          <a:prstGeom prst="rect">
+            <a:avLst/>
+          </a:prstGeom>
+        </p:spPr>
+      </p:pic>
+    </p:spTree>
+    <p:extLst>
+      <p:ext uri="{BB962C8B-B14F-4D97-AF65-F5344CB8AC3E}">
+        <p14:creationId xmlns:p14="http://schemas.microsoft.com/office/powerpoint/2010/main" val="4069259419"/>
       </p:ext>
     </p:extLst>
   </p:cSld>
